--- a/2018_06_ShortCourse/02DeepLearning/A-DeepLearning-01-Intro-FFNN.PPTX
+++ b/2018_06_ShortCourse/02DeepLearning/A-DeepLearning-01-Intro-FFNN.PPTX
@@ -249,7 +249,7 @@
             <a:fld id="{D83FDC75-7F73-4A4A-A77C-09AADF00E0EA}" type="datetimeFigureOut">
               <a:rPr lang="en-US" smtClean="0"/>
               <a:pPr/>
-              <a:t>5/29/2018</a:t>
+              <a:t>6/13/2018</a:t>
             </a:fld>
             <a:endParaRPr lang="en-US" dirty="0"/>
           </a:p>
@@ -416,7 +416,7 @@
             <a:fld id="{48AEF76B-3757-4A0B-AF93-28494465C1DD}" type="datetimeFigureOut">
               <a:rPr lang="en-US" smtClean="0"/>
               <a:pPr/>
-              <a:t>5/29/2018</a:t>
+              <a:t>6/13/2018</a:t>
             </a:fld>
             <a:endParaRPr lang="en-US" dirty="0"/>
           </a:p>
@@ -1231,7 +1231,7 @@
             <a:fld id="{757B281C-5159-4971-8228-52B9A72E9ED2}" type="datetimeFigureOut">
               <a:rPr lang="en-US" smtClean="0"/>
               <a:pPr/>
-              <a:t>5/29/2018</a:t>
+              <a:t>6/13/2018</a:t>
             </a:fld>
             <a:endParaRPr lang="en-US" dirty="0"/>
           </a:p>
@@ -1326,7 +1326,7 @@
             <a:fld id="{757B281C-5159-4971-8228-52B9A72E9ED2}" type="datetimeFigureOut">
               <a:rPr lang="en-US" smtClean="0"/>
               <a:pPr/>
-              <a:t>5/29/2018</a:t>
+              <a:t>6/13/2018</a:t>
             </a:fld>
             <a:endParaRPr lang="en-US" dirty="0"/>
           </a:p>
@@ -1455,7 +1455,7 @@
             <a:fld id="{757B281C-5159-4971-8228-52B9A72E9ED2}" type="datetimeFigureOut">
               <a:rPr lang="en-US" smtClean="0"/>
               <a:pPr/>
-              <a:t>5/29/2018</a:t>
+              <a:t>6/13/2018</a:t>
             </a:fld>
             <a:endParaRPr lang="en-US" dirty="0"/>
           </a:p>
@@ -1653,7 +1653,7 @@
             <a:fld id="{757B281C-5159-4971-8228-52B9A72E9ED2}" type="datetimeFigureOut">
               <a:rPr lang="en-US" smtClean="0"/>
               <a:pPr/>
-              <a:t>5/29/2018</a:t>
+              <a:t>6/13/2018</a:t>
             </a:fld>
             <a:endParaRPr lang="en-US" dirty="0"/>
           </a:p>
@@ -2050,7 +2050,7 @@
             <a:fld id="{757B281C-5159-4971-8228-52B9A72E9ED2}" type="datetimeFigureOut">
               <a:rPr lang="en-US" smtClean="0"/>
               <a:pPr/>
-              <a:t>5/29/2018</a:t>
+              <a:t>6/13/2018</a:t>
             </a:fld>
             <a:endParaRPr lang="en-US" dirty="0"/>
           </a:p>
@@ -2340,7 +2340,7 @@
             <a:fld id="{757B281C-5159-4971-8228-52B9A72E9ED2}" type="datetimeFigureOut">
               <a:rPr lang="en-US" smtClean="0"/>
               <a:pPr/>
-              <a:t>5/29/2018</a:t>
+              <a:t>6/13/2018</a:t>
             </a:fld>
             <a:endParaRPr lang="en-US" dirty="0"/>
           </a:p>
@@ -2759,7 +2759,7 @@
             <a:fld id="{757B281C-5159-4971-8228-52B9A72E9ED2}" type="datetimeFigureOut">
               <a:rPr lang="en-US" smtClean="0"/>
               <a:pPr/>
-              <a:t>5/29/2018</a:t>
+              <a:t>6/13/2018</a:t>
             </a:fld>
             <a:endParaRPr lang="en-US" dirty="0"/>
           </a:p>
@@ -3034,7 +3034,7 @@
             <a:fld id="{757B281C-5159-4971-8228-52B9A72E9ED2}" type="datetimeFigureOut">
               <a:rPr lang="en-US" smtClean="0"/>
               <a:pPr/>
-              <a:t>5/29/2018</a:t>
+              <a:t>6/13/2018</a:t>
             </a:fld>
             <a:endParaRPr lang="en-US" dirty="0"/>
           </a:p>
@@ -3290,7 +3290,7 @@
             <a:fld id="{757B281C-5159-4971-8228-52B9A72E9ED2}" type="datetimeFigureOut">
               <a:rPr lang="en-US" smtClean="0"/>
               <a:pPr/>
-              <a:t>5/29/2018</a:t>
+              <a:t>6/13/2018</a:t>
             </a:fld>
             <a:endParaRPr lang="en-US" dirty="0"/>
           </a:p>
@@ -3458,7 +3458,7 @@
             <a:fld id="{757B281C-5159-4971-8228-52B9A72E9ED2}" type="datetimeFigureOut">
               <a:rPr lang="en-US" smtClean="0"/>
               <a:pPr/>
-              <a:t>5/29/2018</a:t>
+              <a:t>6/13/2018</a:t>
             </a:fld>
             <a:endParaRPr lang="en-US" dirty="0"/>
           </a:p>
@@ -3636,7 +3636,7 @@
             <a:fld id="{757B281C-5159-4971-8228-52B9A72E9ED2}" type="datetimeFigureOut">
               <a:rPr lang="en-US" smtClean="0"/>
               <a:pPr/>
-              <a:t>5/29/2018</a:t>
+              <a:t>6/13/2018</a:t>
             </a:fld>
             <a:endParaRPr lang="en-US" dirty="0"/>
           </a:p>
@@ -3878,7 +3878,7 @@
             <a:fld id="{757B281C-5159-4971-8228-52B9A72E9ED2}" type="datetimeFigureOut">
               <a:rPr lang="en-US" smtClean="0"/>
               <a:pPr/>
-              <a:t>5/29/2018</a:t>
+              <a:t>6/13/2018</a:t>
             </a:fld>
             <a:endParaRPr lang="en-US" dirty="0"/>
           </a:p>
@@ -4431,7 +4431,6 @@
               <a:rPr lang="en-US" sz="3600" dirty="0"/>
               <a:t>Deep Learning Models Across Platforms</a:t>
             </a:r>
-            <a:endParaRPr lang="en-US" sz="3600" dirty="0"/>
           </a:p>
         </p:txBody>
       </p:sp>
@@ -4590,7 +4589,6 @@
               <a:rPr lang="en-US" sz="3600" dirty="0"/>
               <a:t>The MNIST Dataset</a:t>
             </a:r>
-            <a:endParaRPr lang="en-US" sz="3600" dirty="0"/>
           </a:p>
         </p:txBody>
       </p:sp>
@@ -5243,7 +5241,6 @@
               <a:rPr lang="en-US" sz="3600" dirty="0"/>
               <a:t> R Package To Build Deep Neural Network Model</a:t>
             </a:r>
-            <a:endParaRPr lang="en-US" sz="3600" dirty="0"/>
           </a:p>
         </p:txBody>
       </p:sp>
@@ -9564,8 +9561,8 @@
             </a:p>
           </p:txBody>
         </p:sp>
-        <mc:AlternateContent xmlns:mc="http://schemas.openxmlformats.org/markup-compatibility/2006">
-          <mc:Choice xmlns:a14="http://schemas.microsoft.com/office/drawing/2010/main" Requires="a14">
+        <mc:AlternateContent xmlns:mc="http://schemas.openxmlformats.org/markup-compatibility/2006" xmlns:a14="http://schemas.microsoft.com/office/drawing/2010/main">
+          <mc:Choice Requires="a14">
             <p:sp>
               <p:nvSpPr>
                 <p:cNvPr id="26" name="TextBox 25"/>
@@ -9701,7 +9698,7 @@
               </p:txBody>
             </p:sp>
           </mc:Choice>
-          <mc:Fallback>
+          <mc:Fallback xmlns="">
             <p:sp>
               <p:nvSpPr>
                 <p:cNvPr id="26" name="TextBox 25"/>
@@ -9779,7 +9776,7 @@
         </p:nvSpPr>
         <p:spPr>
           <a:xfrm>
-            <a:off x="1191004" y="6325179"/>
+            <a:off x="1131710" y="6463678"/>
             <a:ext cx="6677534" cy="369332"/>
           </a:xfrm>
           <a:prstGeom prst="rect">
@@ -9831,8 +9828,8 @@
           </a:p>
         </p:txBody>
       </p:sp>
-      <mc:AlternateContent xmlns:mc="http://schemas.openxmlformats.org/markup-compatibility/2006">
-        <mc:Choice xmlns:a14="http://schemas.microsoft.com/office/drawing/2010/main" Requires="a14">
+      <mc:AlternateContent xmlns:mc="http://schemas.openxmlformats.org/markup-compatibility/2006" xmlns:a14="http://schemas.microsoft.com/office/drawing/2010/main">
+        <mc:Choice Requires="a14">
           <p:sp>
             <p:nvSpPr>
               <p:cNvPr id="8" name="TextBox 7"/>
@@ -9958,7 +9955,7 @@
             </p:txBody>
           </p:sp>
         </mc:Choice>
-        <mc:Fallback>
+        <mc:Fallback xmlns="">
           <p:sp>
             <p:nvSpPr>
               <p:cNvPr id="8" name="TextBox 7"/>
@@ -9997,8 +9994,8 @@
           </p:sp>
         </mc:Fallback>
       </mc:AlternateContent>
-      <mc:AlternateContent xmlns:mc="http://schemas.openxmlformats.org/markup-compatibility/2006" xmlns:a14="http://schemas.microsoft.com/office/drawing/2010/main">
-        <mc:Choice Requires="a14">
+      <mc:AlternateContent xmlns:mc="http://schemas.openxmlformats.org/markup-compatibility/2006">
+        <mc:Choice xmlns:a14="http://schemas.microsoft.com/office/drawing/2010/main" Requires="a14">
           <p:sp>
             <p:nvSpPr>
               <p:cNvPr id="29" name="TextBox 28"/>
@@ -10008,7 +10005,7 @@
             <p:spPr>
               <a:xfrm>
                 <a:off x="2527714" y="5807339"/>
-                <a:ext cx="4982454" cy="369332"/>
+                <a:ext cx="5125121" cy="646331"/>
               </a:xfrm>
               <a:prstGeom prst="rect">
                 <a:avLst/>
@@ -10049,14 +10046,38 @@
                 </a14:m>
                 <a:r>
                   <a:rPr lang="en-US" dirty="0" smtClean="0"/>
-                  <a:t> the model forecast response</a:t>
+                  <a:t> the model forecast </a:t>
+                </a:r>
+                <a:r>
+                  <a:rPr lang="en-US" dirty="0" smtClean="0"/>
+                  <a:t>responses </a:t>
+                </a:r>
+              </a:p>
+              <a:p>
+                <a:r>
+                  <a:rPr lang="en-US" dirty="0" smtClean="0"/>
+                  <a:t>and </a:t>
+                </a:r>
+                <a14:m>
+                  <m:oMath xmlns:m="http://schemas.openxmlformats.org/officeDocument/2006/math">
+                    <m:r>
+                      <a:rPr lang="en-US" b="0" i="1" smtClean="0">
+                        <a:latin typeface="Cambria Math" panose="02040503050406030204" pitchFamily="18" charset="0"/>
+                      </a:rPr>
+                      <m:t>𝑦</m:t>
+                    </m:r>
+                  </m:oMath>
+                </a14:m>
+                <a:r>
+                  <a:rPr lang="en-US" dirty="0" smtClean="0"/>
+                  <a:t> actual observed responses</a:t>
                 </a:r>
                 <a:endParaRPr lang="en-US" dirty="0"/>
               </a:p>
             </p:txBody>
           </p:sp>
         </mc:Choice>
-        <mc:Fallback xmlns="">
+        <mc:Fallback>
           <p:sp>
             <p:nvSpPr>
               <p:cNvPr id="29" name="TextBox 28"/>
@@ -10068,7 +10089,7 @@
             <p:spPr>
               <a:xfrm>
                 <a:off x="2527714" y="5807339"/>
-                <a:ext cx="4982454" cy="369332"/>
+                <a:ext cx="5125121" cy="646331"/>
               </a:xfrm>
               <a:prstGeom prst="rect">
                 <a:avLst/>
@@ -10076,7 +10097,7 @@
               <a:blipFill>
                 <a:blip r:embed="rId18"/>
                 <a:stretch>
-                  <a:fillRect l="-1102" t="-10000" r="-367" b="-26667"/>
+                  <a:fillRect l="-1071" t="-5660" r="-119" b="-14151"/>
                 </a:stretch>
               </a:blipFill>
             </p:spPr>
@@ -10095,8 +10116,8 @@
           </p:sp>
         </mc:Fallback>
       </mc:AlternateContent>
-      <mc:AlternateContent xmlns:mc="http://schemas.openxmlformats.org/markup-compatibility/2006" xmlns:a14="http://schemas.microsoft.com/office/drawing/2010/main">
-        <mc:Choice Requires="a14">
+      <mc:AlternateContent xmlns:mc="http://schemas.openxmlformats.org/markup-compatibility/2006">
+        <mc:Choice xmlns:a14="http://schemas.microsoft.com/office/drawing/2010/main" Requires="a14">
           <p:sp>
             <p:nvSpPr>
               <p:cNvPr id="9" name="TextBox 8"/>
@@ -10106,7 +10127,7 @@
             <p:spPr>
               <a:xfrm>
                 <a:off x="4343400" y="4044469"/>
-                <a:ext cx="2102242" cy="276999"/>
+                <a:ext cx="2119876" cy="276999"/>
               </a:xfrm>
               <a:prstGeom prst="rect">
                 <a:avLst/>
@@ -10127,10 +10148,10 @@
                     </m:oMathParaPr>
                     <m:oMath xmlns:m="http://schemas.openxmlformats.org/officeDocument/2006/math">
                       <m:r>
-                        <a:rPr lang="en-US" b="0" i="1" smtClean="0">
+                        <a:rPr lang="en-US" b="1" i="1" smtClean="0">
                           <a:latin typeface="Cambria Math" panose="02040503050406030204" pitchFamily="18" charset="0"/>
                         </a:rPr>
-                        <m:t>𝑦</m:t>
+                        <m:t>𝒚</m:t>
                       </m:r>
                       <m:r>
                         <a:rPr lang="en-US" b="0" i="1" smtClean="0">
@@ -10156,10 +10177,10 @@
                         </m:e>
                         <m:sub>
                           <m:r>
-                            <a:rPr lang="en-US" i="1">
+                            <a:rPr lang="en-US" b="0" i="1" smtClean="0">
                               <a:latin typeface="Cambria Math" panose="02040503050406030204" pitchFamily="18" charset="0"/>
                             </a:rPr>
-                            <m:t>1</m:t>
+                            <m:t>2</m:t>
                           </m:r>
                         </m:sub>
                       </m:sSub>
@@ -10193,7 +10214,7 @@
                                 <a:rPr lang="en-US" b="0" i="1" smtClean="0">
                                   <a:latin typeface="Cambria Math" panose="02040503050406030204" pitchFamily="18" charset="0"/>
                                 </a:rPr>
-                                <m:t>2</m:t>
+                                <m:t>1</m:t>
                               </m:r>
                             </m:sub>
                           </m:sSub>
@@ -10207,10 +10228,10 @@
                             </m:dPr>
                             <m:e>
                               <m:r>
-                                <a:rPr lang="en-US" b="0" i="1" smtClean="0">
+                                <a:rPr lang="en-US" b="1" i="1" smtClean="0">
                                   <a:latin typeface="Cambria Math" panose="02040503050406030204" pitchFamily="18" charset="0"/>
                                 </a:rPr>
-                                <m:t>𝑥</m:t>
+                                <m:t>𝒙</m:t>
                               </m:r>
                               <m:r>
                                 <a:rPr lang="en-US" b="0" i="1" smtClean="0">
@@ -10236,10 +10257,10 @@
                                 </m:e>
                                 <m:sub>
                                   <m:r>
-                                    <a:rPr lang="en-US" b="1" i="1" smtClean="0">
+                                    <a:rPr lang="en-US" b="0" i="1" smtClean="0">
                                       <a:latin typeface="Cambria Math" panose="02040503050406030204" pitchFamily="18" charset="0"/>
                                     </a:rPr>
-                                    <m:t>𝟐</m:t>
+                                    <m:t>1</m:t>
                                   </m:r>
                                 </m:sub>
                               </m:sSub>
@@ -10272,7 +10293,7 @@
                                 <a:rPr lang="en-US" b="1" i="1" smtClean="0">
                                   <a:latin typeface="Cambria Math" panose="02040503050406030204" pitchFamily="18" charset="0"/>
                                 </a:rPr>
-                                <m:t>𝟏</m:t>
+                                <m:t>𝟐</m:t>
                               </m:r>
                             </m:sub>
                           </m:sSub>
@@ -10286,7 +10307,7 @@
             </p:txBody>
           </p:sp>
         </mc:Choice>
-        <mc:Fallback xmlns="">
+        <mc:Fallback>
           <p:sp>
             <p:nvSpPr>
               <p:cNvPr id="9" name="TextBox 8"/>
@@ -10298,7 +10319,7 @@
             <p:spPr>
               <a:xfrm>
                 <a:off x="4343400" y="4044469"/>
-                <a:ext cx="2102242" cy="276999"/>
+                <a:ext cx="2119876" cy="276999"/>
               </a:xfrm>
               <a:prstGeom prst="rect">
                 <a:avLst/>
@@ -10306,7 +10327,7 @@
               <a:blipFill>
                 <a:blip r:embed="rId19"/>
                 <a:stretch>
-                  <a:fillRect l="-1453" t="-2174" b="-32609"/>
+                  <a:fillRect l="-865" t="-2174" b="-32609"/>
                 </a:stretch>
               </a:blipFill>
             </p:spPr>
@@ -10325,6 +10346,36 @@
           </p:sp>
         </mc:Fallback>
       </mc:AlternateContent>
+      <p:sp>
+        <p:nvSpPr>
+          <p:cNvPr id="21" name="TextBox 20"/>
+          <p:cNvSpPr txBox="1"/>
+          <p:nvPr/>
+        </p:nvSpPr>
+        <p:spPr>
+          <a:xfrm>
+            <a:off x="6734221" y="4015703"/>
+            <a:ext cx="2268634" cy="369332"/>
+          </a:xfrm>
+          <a:prstGeom prst="rect">
+            <a:avLst/>
+          </a:prstGeom>
+          <a:noFill/>
+        </p:spPr>
+        <p:txBody>
+          <a:bodyPr wrap="none" rtlCol="0">
+            <a:spAutoFit/>
+          </a:bodyPr>
+          <a:lstStyle/>
+          <a:p>
+            <a:r>
+              <a:rPr lang="en-US" b="1" i="1" dirty="0" smtClean="0"/>
+              <a:t>Vector representation</a:t>
+            </a:r>
+            <a:endParaRPr lang="en-US" b="1" i="1" dirty="0"/>
+          </a:p>
+        </p:txBody>
+      </p:sp>
     </p:spTree>
     <p:extLst>
       <p:ext uri="{BB962C8B-B14F-4D97-AF65-F5344CB8AC3E}">
@@ -10396,8 +10447,8 @@
           </a:p>
         </p:txBody>
       </p:sp>
-      <mc:AlternateContent xmlns:mc="http://schemas.openxmlformats.org/markup-compatibility/2006">
-        <mc:Choice xmlns:a14="http://schemas.microsoft.com/office/drawing/2010/main" Requires="a14">
+      <mc:AlternateContent xmlns:mc="http://schemas.openxmlformats.org/markup-compatibility/2006" xmlns:a14="http://schemas.microsoft.com/office/drawing/2010/main">
+        <mc:Choice Requires="a14">
           <p:sp>
             <p:nvSpPr>
               <p:cNvPr id="3" name="Content Placeholder 2"/>
@@ -10426,11 +10477,7 @@
                 </a:pPr>
                 <a:r>
                   <a:rPr lang="en-US" sz="2000" dirty="0" smtClean="0"/>
-                  <a:t>Two-class </a:t>
-                </a:r>
-                <a:r>
-                  <a:rPr lang="en-US" sz="2000" dirty="0" smtClean="0"/>
-                  <a:t>binary responses</a:t>
+                  <a:t>Two-class binary responses</a:t>
                 </a:r>
               </a:p>
               <a:p>
@@ -10747,15 +10794,7 @@
                 </a14:m>
                 <a:r>
                   <a:rPr lang="en-US" sz="1600" dirty="0" smtClean="0"/>
-                  <a:t> is the predicted probability of being </a:t>
-                </a:r>
-                <a:r>
-                  <a:rPr lang="en-US" sz="1600" dirty="0" smtClean="0"/>
-                  <a:t>1, </a:t>
-                </a:r>
-                <a:r>
-                  <a:rPr lang="en-US" sz="1600" dirty="0" smtClean="0"/>
-                  <a:t>and </a:t>
+                  <a:t> is the predicted probability of being 1, and </a:t>
                 </a:r>
                 <a14:m>
                   <m:oMath xmlns:m="http://schemas.openxmlformats.org/officeDocument/2006/math">
@@ -10785,11 +10824,7 @@
                 </a:pPr>
                 <a:r>
                   <a:rPr lang="en-US" sz="2000" dirty="0" smtClean="0"/>
-                  <a:t>Multiple-class </a:t>
-                </a:r>
-                <a:r>
-                  <a:rPr lang="en-US" sz="2000" dirty="0" smtClean="0"/>
-                  <a:t>responses</a:t>
+                  <a:t>Multiple-class responses</a:t>
                 </a:r>
               </a:p>
               <a:p>
@@ -11234,7 +11269,7 @@
             </p:txBody>
           </p:sp>
         </mc:Choice>
-        <mc:Fallback>
+        <mc:Fallback xmlns="">
           <p:sp>
             <p:nvSpPr>
               <p:cNvPr id="3" name="Content Placeholder 2"/>
@@ -13086,8 +13121,8 @@
         </p:nvSpPr>
         <p:spPr>
           <a:xfrm>
-            <a:off x="762000" y="269632"/>
-            <a:ext cx="8077200" cy="1143000"/>
+            <a:off x="567431" y="78440"/>
+            <a:ext cx="8077200" cy="687821"/>
           </a:xfrm>
         </p:spPr>
         <p:txBody>
@@ -13228,11 +13263,7 @@
             </a:r>
             <a:r>
               <a:rPr lang="en-US" sz="1600" dirty="0" smtClean="0"/>
-              <a:t> </a:t>
-            </a:r>
-            <a:r>
-              <a:rPr lang="en-US" sz="1600" dirty="0" smtClean="0"/>
-              <a:t>with categorical cross entropy for loss function</a:t>
+              <a:t> with categorical cross entropy for loss function</a:t>
             </a:r>
           </a:p>
           <a:p>
@@ -13242,21 +13273,8 @@
             </a:pPr>
             <a:r>
               <a:rPr lang="en-US" sz="1600" dirty="0" smtClean="0"/>
-              <a:t>Continuous responses: </a:t>
-            </a:r>
-            <a:r>
-              <a:rPr lang="en-US" sz="1600" dirty="0" smtClean="0"/>
-              <a:t>identity function (i.e. y </a:t>
-            </a:r>
-            <a:r>
-              <a:rPr lang="en-US" sz="1600" dirty="0" smtClean="0"/>
-              <a:t>= </a:t>
-            </a:r>
-            <a:r>
-              <a:rPr lang="en-US" sz="1600" dirty="0" smtClean="0"/>
-              <a:t>x)</a:t>
-            </a:r>
-            <a:endParaRPr lang="en-US" sz="1600" dirty="0" smtClean="0"/>
+              <a:t>Continuous responses: identity function (i.e. y = x)</a:t>
+            </a:r>
           </a:p>
           <a:p>
             <a:pPr lvl="1">
@@ -13339,8 +13357,8 @@
           </a:prstGeom>
         </p:spPr>
       </p:pic>
-      <mc:AlternateContent xmlns:mc="http://schemas.openxmlformats.org/markup-compatibility/2006" xmlns:a14="http://schemas.microsoft.com/office/drawing/2010/main">
-        <mc:Choice Requires="a14">
+      <mc:AlternateContent xmlns:mc="http://schemas.openxmlformats.org/markup-compatibility/2006">
+        <mc:Choice xmlns:a14="http://schemas.microsoft.com/office/drawing/2010/main" Requires="a14">
           <p:sp>
             <p:nvSpPr>
               <p:cNvPr id="9" name="TextBox 8"/>
@@ -13349,8 +13367,8 @@
             </p:nvSpPr>
             <p:spPr>
               <a:xfrm>
-                <a:off x="1066800" y="1399401"/>
-                <a:ext cx="3713581" cy="276999"/>
+                <a:off x="2526132" y="831902"/>
+                <a:ext cx="5779668" cy="307777"/>
               </a:xfrm>
               <a:prstGeom prst="rect">
                 <a:avLst/>
@@ -13358,7 +13376,7 @@
               <a:noFill/>
             </p:spPr>
             <p:txBody>
-              <a:bodyPr wrap="none" lIns="0" tIns="0" rIns="0" bIns="0" rtlCol="0">
+              <a:bodyPr wrap="square" lIns="0" tIns="0" rIns="0" bIns="0" rtlCol="0">
                 <a:spAutoFit/>
               </a:bodyPr>
               <a:lstStyle/>
@@ -13371,13 +13389,13 @@
                     </m:oMathParaPr>
                     <m:oMath xmlns:m="http://schemas.openxmlformats.org/officeDocument/2006/math">
                       <m:r>
-                        <a:rPr lang="en-US" b="0" i="1" smtClean="0">
+                        <a:rPr lang="en-US" sz="2000" b="1" i="1" smtClean="0">
                           <a:latin typeface="Cambria Math" panose="02040503050406030204" pitchFamily="18" charset="0"/>
                         </a:rPr>
-                        <m:t>𝑦</m:t>
+                        <m:t>𝒚</m:t>
                       </m:r>
                       <m:r>
-                        <a:rPr lang="en-US" b="0" i="1" smtClean="0">
+                        <a:rPr lang="en-US" sz="2000" b="0" i="1" smtClean="0">
                           <a:latin typeface="Cambria Math" panose="02040503050406030204" pitchFamily="18" charset="0"/>
                         </a:rPr>
                         <m:t>=</m:t>
@@ -13385,14 +13403,14 @@
                       <m:sSub>
                         <m:sSubPr>
                           <m:ctrlPr>
-                            <a:rPr lang="en-US" i="1">
+                            <a:rPr lang="en-US" sz="2000" i="1">
                               <a:latin typeface="Cambria Math" panose="02040503050406030204" pitchFamily="18" charset="0"/>
                             </a:rPr>
                           </m:ctrlPr>
                         </m:sSubPr>
                         <m:e>
                           <m:r>
-                            <a:rPr lang="en-US" i="1">
+                            <a:rPr lang="en-US" sz="2000" i="1">
                               <a:latin typeface="Cambria Math" panose="02040503050406030204" pitchFamily="18" charset="0"/>
                             </a:rPr>
                             <m:t>𝑓</m:t>
@@ -13400,17 +13418,17 @@
                         </m:e>
                         <m:sub>
                           <m:r>
-                            <a:rPr lang="en-US" i="1">
+                            <a:rPr lang="en-US" sz="2000" b="0" i="1" smtClean="0">
                               <a:latin typeface="Cambria Math" panose="02040503050406030204" pitchFamily="18" charset="0"/>
                             </a:rPr>
-                            <m:t>1</m:t>
+                            <m:t>𝑛</m:t>
                           </m:r>
                         </m:sub>
                       </m:sSub>
                       <m:d>
                         <m:dPr>
                           <m:ctrlPr>
-                            <a:rPr lang="en-US" b="0" i="1" smtClean="0">
+                            <a:rPr lang="en-US" sz="2000" b="0" i="1" smtClean="0">
                               <a:latin typeface="Cambria Math" panose="02040503050406030204" pitchFamily="18" charset="0"/>
                             </a:rPr>
                           </m:ctrlPr>
@@ -13419,14 +13437,14 @@
                           <m:sSub>
                             <m:sSubPr>
                               <m:ctrlPr>
-                                <a:rPr lang="en-US" i="1">
+                                <a:rPr lang="en-US" sz="2000" i="1">
                                   <a:latin typeface="Cambria Math" panose="02040503050406030204" pitchFamily="18" charset="0"/>
                                 </a:rPr>
                               </m:ctrlPr>
                             </m:sSubPr>
                             <m:e>
                               <m:r>
-                                <a:rPr lang="en-US" i="1">
+                                <a:rPr lang="en-US" sz="2000" i="1">
                                   <a:latin typeface="Cambria Math" panose="02040503050406030204" pitchFamily="18" charset="0"/>
                                 </a:rPr>
                                 <m:t>𝑓</m:t>
@@ -13434,17 +13452,23 @@
                             </m:e>
                             <m:sub>
                               <m:r>
-                                <a:rPr lang="en-US" b="0" i="1" smtClean="0">
+                                <a:rPr lang="en-US" sz="2000" b="0" i="1" smtClean="0">
                                   <a:latin typeface="Cambria Math" panose="02040503050406030204" pitchFamily="18" charset="0"/>
                                 </a:rPr>
-                                <m:t>2</m:t>
+                                <m:t>𝑛</m:t>
+                              </m:r>
+                              <m:r>
+                                <a:rPr lang="en-US" sz="2000" b="0" i="1" smtClean="0">
+                                  <a:latin typeface="Cambria Math" panose="02040503050406030204" pitchFamily="18" charset="0"/>
+                                </a:rPr>
+                                <m:t>−1</m:t>
                               </m:r>
                             </m:sub>
                           </m:sSub>
                           <m:d>
                             <m:dPr>
                               <m:ctrlPr>
-                                <a:rPr lang="en-US" b="0" i="1" smtClean="0">
+                                <a:rPr lang="en-US" sz="2000" b="0" i="1" smtClean="0">
                                   <a:latin typeface="Cambria Math" panose="02040503050406030204" pitchFamily="18" charset="0"/>
                                 </a:rPr>
                               </m:ctrlPr>
@@ -13453,14 +13477,14 @@
                               <m:sSub>
                                 <m:sSubPr>
                                   <m:ctrlPr>
-                                    <a:rPr lang="en-US" i="1">
+                                    <a:rPr lang="en-US" sz="2000" i="1">
                                       <a:latin typeface="Cambria Math" panose="02040503050406030204" pitchFamily="18" charset="0"/>
                                     </a:rPr>
                                   </m:ctrlPr>
                                 </m:sSubPr>
                                 <m:e>
                                   <m:r>
-                                    <a:rPr lang="en-US" i="1">
+                                    <a:rPr lang="en-US" sz="2000" i="1">
                                       <a:latin typeface="Cambria Math" panose="02040503050406030204" pitchFamily="18" charset="0"/>
                                     </a:rPr>
                                     <m:t>𝑓</m:t>
@@ -13468,24 +13492,30 @@
                                 </m:e>
                                 <m:sub>
                                   <m:r>
-                                    <a:rPr lang="en-US" b="0" i="1" smtClean="0">
+                                    <a:rPr lang="en-US" sz="2000" b="0" i="1" smtClean="0">
                                       <a:latin typeface="Cambria Math" panose="02040503050406030204" pitchFamily="18" charset="0"/>
                                     </a:rPr>
-                                    <m:t>3</m:t>
+                                    <m:t>𝑛</m:t>
+                                  </m:r>
+                                  <m:r>
+                                    <a:rPr lang="en-US" sz="2000" b="0" i="1" smtClean="0">
+                                      <a:latin typeface="Cambria Math" panose="02040503050406030204" pitchFamily="18" charset="0"/>
+                                    </a:rPr>
+                                    <m:t>−2</m:t>
                                   </m:r>
                                 </m:sub>
                               </m:sSub>
                               <m:d>
                                 <m:dPr>
                                   <m:ctrlPr>
-                                    <a:rPr lang="en-US" i="1" smtClean="0">
+                                    <a:rPr lang="en-US" sz="2000" i="1" smtClean="0">
                                       <a:latin typeface="Cambria Math" panose="02040503050406030204" pitchFamily="18" charset="0"/>
                                     </a:rPr>
                                   </m:ctrlPr>
                                 </m:dPr>
                                 <m:e>
                                   <m:r>
-                                    <a:rPr lang="en-US" i="1">
+                                    <a:rPr lang="en-US" sz="2000" i="1">
                                       <a:latin typeface="Cambria Math" panose="02040503050406030204" pitchFamily="18" charset="0"/>
                                     </a:rPr>
                                     <m:t>…</m:t>
@@ -13493,14 +13523,14 @@
                                   <m:sSub>
                                     <m:sSubPr>
                                       <m:ctrlPr>
-                                        <a:rPr lang="en-US" i="1">
+                                        <a:rPr lang="en-US" sz="2000" i="1">
                                           <a:latin typeface="Cambria Math" panose="02040503050406030204" pitchFamily="18" charset="0"/>
                                         </a:rPr>
                                       </m:ctrlPr>
                                     </m:sSubPr>
                                     <m:e>
                                       <m:r>
-                                        <a:rPr lang="en-US" i="1">
+                                        <a:rPr lang="en-US" sz="2000" i="1">
                                           <a:latin typeface="Cambria Math" panose="02040503050406030204" pitchFamily="18" charset="0"/>
                                         </a:rPr>
                                         <m:t>𝑓</m:t>
@@ -13508,30 +13538,30 @@
                                     </m:e>
                                     <m:sub>
                                       <m:r>
-                                        <a:rPr lang="en-US" i="1">
+                                        <a:rPr lang="en-US" sz="2000" b="0" i="1" smtClean="0">
                                           <a:latin typeface="Cambria Math" panose="02040503050406030204" pitchFamily="18" charset="0"/>
                                         </a:rPr>
-                                        <m:t>𝑛</m:t>
+                                        <m:t>1</m:t>
                                       </m:r>
                                     </m:sub>
                                   </m:sSub>
                                   <m:d>
                                     <m:dPr>
                                       <m:ctrlPr>
-                                        <a:rPr lang="en-US" i="1">
+                                        <a:rPr lang="en-US" sz="2000" i="1">
                                           <a:latin typeface="Cambria Math" panose="02040503050406030204" pitchFamily="18" charset="0"/>
                                         </a:rPr>
                                       </m:ctrlPr>
                                     </m:dPr>
                                     <m:e>
                                       <m:r>
-                                        <a:rPr lang="en-US" i="1">
+                                        <a:rPr lang="en-US" sz="2000" b="1" i="1">
                                           <a:latin typeface="Cambria Math" panose="02040503050406030204" pitchFamily="18" charset="0"/>
                                         </a:rPr>
-                                        <m:t>𝑥</m:t>
+                                        <m:t>𝒙</m:t>
                                       </m:r>
                                       <m:r>
-                                        <a:rPr lang="en-US" i="1">
+                                        <a:rPr lang="en-US" sz="2000" i="1">
                                           <a:latin typeface="Cambria Math" panose="02040503050406030204" pitchFamily="18" charset="0"/>
                                         </a:rPr>
                                         <m:t>,</m:t>
@@ -13539,65 +13569,71 @@
                                       <m:sSub>
                                         <m:sSubPr>
                                           <m:ctrlPr>
-                                            <a:rPr lang="en-US" i="1" smtClean="0">
+                                            <a:rPr lang="en-US" sz="2000" i="1" smtClean="0">
                                               <a:latin typeface="Cambria Math" panose="02040503050406030204" pitchFamily="18" charset="0"/>
                                             </a:rPr>
                                           </m:ctrlPr>
                                         </m:sSubPr>
                                         <m:e>
                                           <m:r>
-                                            <a:rPr lang="en-US" b="0" i="1" smtClean="0">
+                                            <a:rPr lang="en-US" sz="2000" b="1" i="1" smtClean="0">
                                               <a:latin typeface="Cambria Math" panose="02040503050406030204" pitchFamily="18" charset="0"/>
                                             </a:rPr>
-                                            <m:t>𝑏</m:t>
+                                            <m:t>𝒃</m:t>
                                           </m:r>
                                         </m:e>
                                         <m:sub>
                                           <m:r>
-                                            <a:rPr lang="en-US" b="0" i="1" smtClean="0">
+                                            <a:rPr lang="en-US" sz="2000" b="0" i="1" smtClean="0">
                                               <a:latin typeface="Cambria Math" panose="02040503050406030204" pitchFamily="18" charset="0"/>
                                             </a:rPr>
-                                            <m:t>𝑛</m:t>
+                                            <m:t>1</m:t>
                                           </m:r>
                                         </m:sub>
                                       </m:sSub>
                                     </m:e>
                                   </m:d>
                                   <m:r>
-                                    <a:rPr lang="en-US" b="0" i="1" smtClean="0">
+                                    <a:rPr lang="en-US" sz="2000" b="0" i="1" smtClean="0">
                                       <a:latin typeface="Cambria Math" panose="02040503050406030204" pitchFamily="18" charset="0"/>
                                     </a:rPr>
-                                    <m:t>,</m:t>
+                                    <m:t>…,</m:t>
                                   </m:r>
                                   <m:sSub>
                                     <m:sSubPr>
                                       <m:ctrlPr>
-                                        <a:rPr lang="en-US" i="1">
+                                        <a:rPr lang="en-US" sz="2000" i="1">
                                           <a:latin typeface="Cambria Math" panose="02040503050406030204" pitchFamily="18" charset="0"/>
                                         </a:rPr>
                                       </m:ctrlPr>
                                     </m:sSubPr>
                                     <m:e>
                                       <m:r>
-                                        <a:rPr lang="en-US" i="1">
+                                        <a:rPr lang="en-US" sz="2000" b="1" i="1">
                                           <a:latin typeface="Cambria Math" panose="02040503050406030204" pitchFamily="18" charset="0"/>
                                         </a:rPr>
-                                        <m:t>𝑏</m:t>
+                                        <m:t>𝒃</m:t>
                                       </m:r>
                                     </m:e>
                                     <m:sub>
                                       <m:r>
-                                        <a:rPr lang="en-US" b="0" i="1" smtClean="0">
+                                        <a:rPr lang="en-US" sz="2000" b="0" i="1" smtClean="0">
                                           <a:latin typeface="Cambria Math" panose="02040503050406030204" pitchFamily="18" charset="0"/>
                                         </a:rPr>
-                                        <m:t>3</m:t>
+                                        <m:t>𝑛</m:t>
+                                      </m:r>
+                                      <m:r>
+                                        <a:rPr lang="en-US" sz="2000" b="0" i="1" smtClean="0">
+                                          <a:latin typeface="Cambria Math" panose="02040503050406030204" pitchFamily="18" charset="0"/>
+                                        </a:rPr>
+                                        <m:t>−2</m:t>
                                       </m:r>
                                     </m:sub>
                                   </m:sSub>
                                 </m:e>
                               </m:d>
                               <m:r>
-                                <a:rPr lang="en-US" b="0" i="1" smtClean="0">
+                                <a:rPr lang="en-US" sz="2000" b="0" i="1" smtClean="0">
                                   <a:latin typeface="Cambria Math" panose="02040503050406030204" pitchFamily="18" charset="0"/>
                                 </a:rPr>
                                 <m:t>,</m:t>
@@ -13605,32 +13641,38 @@
                               <m:sSub>
                                 <m:sSubPr>
                                   <m:ctrlPr>
-                                    <a:rPr lang="en-US" i="1">
+                                    <a:rPr lang="en-US" sz="2000" i="1">
                                       <a:latin typeface="Cambria Math" panose="02040503050406030204" pitchFamily="18" charset="0"/>
                                     </a:rPr>
                                   </m:ctrlPr>
                                 </m:sSubPr>
                                 <m:e>
                                   <m:r>
-                                    <a:rPr lang="en-US" i="1">
+                                    <a:rPr lang="en-US" sz="2000" b="1" i="1">
                                       <a:latin typeface="Cambria Math" panose="02040503050406030204" pitchFamily="18" charset="0"/>
                                     </a:rPr>
-                                    <m:t>𝑏</m:t>
+                                    <m:t>𝒃</m:t>
                                   </m:r>
                                 </m:e>
                                 <m:sub>
                                   <m:r>
-                                    <a:rPr lang="en-US" b="0" i="1" smtClean="0">
+                                    <a:rPr lang="en-US" sz="2000" b="0" i="1" smtClean="0">
                                       <a:latin typeface="Cambria Math" panose="02040503050406030204" pitchFamily="18" charset="0"/>
                                     </a:rPr>
-                                    <m:t>2</m:t>
+                                    <m:t>𝑛</m:t>
+                                  </m:r>
+                                  <m:r>
+                                    <a:rPr lang="en-US" sz="2000" b="0" i="1" smtClean="0">
+                                      <a:latin typeface="Cambria Math" panose="02040503050406030204" pitchFamily="18" charset="0"/>
+                                    </a:rPr>
+                                    <m:t>−1</m:t>
                                   </m:r>
                                 </m:sub>
                               </m:sSub>
                             </m:e>
                           </m:d>
                           <m:r>
-                            <a:rPr lang="en-US" b="0" i="1" smtClean="0">
+                            <a:rPr lang="en-US" sz="2000" b="0" i="1" smtClean="0">
                               <a:latin typeface="Cambria Math" panose="02040503050406030204" pitchFamily="18" charset="0"/>
                             </a:rPr>
                             <m:t>,</m:t>
@@ -13638,25 +13680,25 @@
                           <m:sSub>
                             <m:sSubPr>
                               <m:ctrlPr>
-                                <a:rPr lang="en-US" i="1">
+                                <a:rPr lang="en-US" sz="2000" i="1">
                                   <a:latin typeface="Cambria Math" panose="02040503050406030204" pitchFamily="18" charset="0"/>
                                 </a:rPr>
                               </m:ctrlPr>
                             </m:sSubPr>
                             <m:e>
                               <m:r>
-                                <a:rPr lang="en-US" i="1">
+                                <a:rPr lang="en-US" sz="2000" b="1" i="1">
                                   <a:latin typeface="Cambria Math" panose="02040503050406030204" pitchFamily="18" charset="0"/>
                                 </a:rPr>
-                                <m:t>𝑏</m:t>
+                                <m:t>𝒃</m:t>
                               </m:r>
                             </m:e>
                             <m:sub>
                               <m:r>
-                                <a:rPr lang="en-US" b="0" i="1" smtClean="0">
+                                <a:rPr lang="en-US" sz="2000" b="0" i="1" smtClean="0">
                                   <a:latin typeface="Cambria Math" panose="02040503050406030204" pitchFamily="18" charset="0"/>
                                 </a:rPr>
-                                <m:t>1</m:t>
+                                <m:t>𝑛</m:t>
                               </m:r>
                             </m:sub>
                           </m:sSub>
@@ -13665,12 +13707,12 @@
                     </m:oMath>
                   </m:oMathPara>
                 </a14:m>
-                <a:endParaRPr lang="en-US" dirty="0" smtClean="0"/>
+                <a:endParaRPr lang="en-US" sz="2000" dirty="0" smtClean="0"/>
               </a:p>
             </p:txBody>
           </p:sp>
         </mc:Choice>
-        <mc:Fallback xmlns="">
+        <mc:Fallback>
           <p:sp>
             <p:nvSpPr>
               <p:cNvPr id="9" name="TextBox 8"/>
@@ -13681,8 +13723,8 @@
             </p:nvSpPr>
             <p:spPr>
               <a:xfrm>
-                <a:off x="1066800" y="1399401"/>
-                <a:ext cx="3713581" cy="276999"/>
+                <a:off x="2526132" y="831902"/>
+                <a:ext cx="5779668" cy="307777"/>
               </a:xfrm>
               <a:prstGeom prst="rect">
                 <a:avLst/>
@@ -13690,7 +13732,7 @@
               <a:blipFill>
                 <a:blip r:embed="rId5"/>
                 <a:stretch>
-                  <a:fillRect l="-164" t="-4444" b="-35556"/>
+                  <a:fillRect b="-33333"/>
                 </a:stretch>
               </a:blipFill>
             </p:spPr>
@@ -13709,8 +13751,8 @@
           </p:sp>
         </mc:Fallback>
       </mc:AlternateContent>
-      <mc:AlternateContent xmlns:mc="http://schemas.openxmlformats.org/markup-compatibility/2006" xmlns:a14="http://schemas.microsoft.com/office/drawing/2010/main">
-        <mc:Choice Requires="a14">
+      <mc:AlternateContent xmlns:mc="http://schemas.openxmlformats.org/markup-compatibility/2006">
+        <mc:Choice xmlns:a14="http://schemas.microsoft.com/office/drawing/2010/main" Requires="a14">
           <p:sp>
             <p:nvSpPr>
               <p:cNvPr id="2" name="TextBox 1"/>
@@ -13719,8 +13761,8 @@
             </p:nvSpPr>
             <p:spPr>
               <a:xfrm>
-                <a:off x="5791200" y="1212288"/>
-                <a:ext cx="3124200" cy="588559"/>
+                <a:off x="4114800" y="1353352"/>
+                <a:ext cx="3124200" cy="601383"/>
               </a:xfrm>
               <a:prstGeom prst="rect">
                 <a:avLst/>
@@ -13751,10 +13793,10 @@
                           <m:t>𝜕</m:t>
                         </m:r>
                         <m:r>
-                          <a:rPr lang="en-US" sz="2400" i="1" smtClean="0">
+                          <a:rPr lang="en-US" sz="2400" b="1" i="1" smtClean="0">
                             <a:latin typeface="Cambria Math" panose="02040503050406030204" pitchFamily="18" charset="0"/>
                           </a:rPr>
-                          <m:t>𝑦</m:t>
+                          <m:t>𝒚</m:t>
                         </m:r>
                       </m:num>
                       <m:den>
@@ -13765,10 +13807,10 @@
                           <m:t>𝜕</m:t>
                         </m:r>
                         <m:r>
-                          <a:rPr lang="en-US" sz="2400" i="1" smtClean="0">
+                          <a:rPr lang="en-US" sz="2400" b="1" i="1" smtClean="0">
                             <a:latin typeface="Cambria Math" panose="02040503050406030204" pitchFamily="18" charset="0"/>
                           </a:rPr>
-                          <m:t>𝑥</m:t>
+                          <m:t>𝒙</m:t>
                         </m:r>
                       </m:den>
                     </m:f>
@@ -13796,10 +13838,10 @@
                           <m:t>𝜕</m:t>
                         </m:r>
                         <m:r>
-                          <a:rPr lang="en-US" sz="2400" i="1">
+                          <a:rPr lang="en-US" sz="2400" b="1" i="1">
                             <a:latin typeface="Cambria Math" panose="02040503050406030204" pitchFamily="18" charset="0"/>
                           </a:rPr>
-                          <m:t>𝑦</m:t>
+                          <m:t>𝒚</m:t>
                         </m:r>
                       </m:num>
                       <m:den>
@@ -13830,12 +13872,186 @@
                               <a:rPr lang="en-US" sz="2400" b="0" i="1" smtClean="0">
                                 <a:latin typeface="Cambria Math" panose="02040503050406030204" pitchFamily="18" charset="0"/>
                               </a:rPr>
-                              <m:t>1</m:t>
+                              <m:t>𝑛</m:t>
                             </m:r>
                           </m:sub>
                         </m:sSub>
                       </m:den>
                     </m:f>
+                    <m:f>
+                      <m:fPr>
+                        <m:ctrlPr>
+                          <a:rPr lang="en-US" sz="2400" i="1">
+                            <a:latin typeface="Cambria Math" panose="02040503050406030204" pitchFamily="18" charset="0"/>
+                          </a:rPr>
+                        </m:ctrlPr>
+                      </m:fPr>
+                      <m:num>
+                        <m:r>
+                          <a:rPr lang="en-US" sz="2400" i="1">
+                            <a:latin typeface="Cambria Math" panose="02040503050406030204" pitchFamily="18" charset="0"/>
+                          </a:rPr>
+                          <m:t>𝜕</m:t>
+                        </m:r>
+                        <m:sSub>
+                          <m:sSubPr>
+                            <m:ctrlPr>
+                              <a:rPr lang="en-US" sz="2400" i="1" smtClean="0">
+                                <a:latin typeface="Cambria Math" panose="02040503050406030204" pitchFamily="18" charset="0"/>
+                              </a:rPr>
+                            </m:ctrlPr>
+                          </m:sSubPr>
+                          <m:e>
+                            <m:r>
+                              <a:rPr lang="en-US" sz="2400" b="0" i="1" smtClean="0">
+                                <a:latin typeface="Cambria Math" panose="02040503050406030204" pitchFamily="18" charset="0"/>
+                              </a:rPr>
+                              <m:t>𝑓</m:t>
+                            </m:r>
+                          </m:e>
+                          <m:sub>
+                            <m:r>
+                              <a:rPr lang="en-US" sz="2400" b="0" i="1" smtClean="0">
+                                <a:latin typeface="Cambria Math" panose="02040503050406030204" pitchFamily="18" charset="0"/>
+                              </a:rPr>
+                              <m:t>𝑛</m:t>
+                            </m:r>
+                          </m:sub>
+                        </m:sSub>
+                      </m:num>
+                      <m:den>
+                        <m:r>
+                          <a:rPr lang="en-US" sz="2400" i="1">
+                            <a:latin typeface="Cambria Math" panose="02040503050406030204" pitchFamily="18" charset="0"/>
+                          </a:rPr>
+                          <m:t>𝜕</m:t>
+                        </m:r>
+                        <m:sSub>
+                          <m:sSubPr>
+                            <m:ctrlPr>
+                              <a:rPr lang="en-US" sz="2400" i="1" smtClean="0">
+                                <a:latin typeface="Cambria Math" panose="02040503050406030204" pitchFamily="18" charset="0"/>
+                              </a:rPr>
+                            </m:ctrlPr>
+                          </m:sSubPr>
+                          <m:e>
+                            <m:r>
+                              <a:rPr lang="en-US" sz="2400" b="0" i="1" smtClean="0">
+                                <a:latin typeface="Cambria Math" panose="02040503050406030204" pitchFamily="18" charset="0"/>
+                              </a:rPr>
+                              <m:t>𝑓</m:t>
+                            </m:r>
+                          </m:e>
+                          <m:sub>
+                            <m:r>
+                              <a:rPr lang="en-US" sz="2400" b="0" i="1" smtClean="0">
+                                <a:latin typeface="Cambria Math" panose="02040503050406030204" pitchFamily="18" charset="0"/>
+                              </a:rPr>
+                              <m:t>𝑛</m:t>
+                            </m:r>
+                            <m:r>
+                              <a:rPr lang="en-US" sz="2400" b="0" i="1" smtClean="0">
+                                <a:latin typeface="Cambria Math" panose="02040503050406030204" pitchFamily="18" charset="0"/>
+                              </a:rPr>
+                              <m:t>−1</m:t>
+                            </m:r>
+                          </m:sub>
+                        </m:sSub>
+                      </m:den>
+                    </m:f>
+                    <m:f>
+                      <m:fPr>
+                        <m:ctrlPr>
+                          <a:rPr lang="en-US" sz="2400" i="1">
+                            <a:latin typeface="Cambria Math" panose="02040503050406030204" pitchFamily="18" charset="0"/>
+                          </a:rPr>
+                        </m:ctrlPr>
+                      </m:fPr>
+                      <m:num>
+                        <m:r>
+                          <a:rPr lang="en-US" sz="2400" i="1">
+                            <a:latin typeface="Cambria Math" panose="02040503050406030204" pitchFamily="18" charset="0"/>
+                          </a:rPr>
+                          <m:t>𝜕</m:t>
+                        </m:r>
+                        <m:sSub>
+                          <m:sSubPr>
+                            <m:ctrlPr>
+                              <a:rPr lang="en-US" sz="2400" i="1" smtClean="0">
+                                <a:latin typeface="Cambria Math" panose="02040503050406030204" pitchFamily="18" charset="0"/>
+                              </a:rPr>
+                            </m:ctrlPr>
+                          </m:sSubPr>
+                          <m:e>
+                            <m:r>
+                              <a:rPr lang="en-US" sz="2400" b="0" i="1" smtClean="0">
+                                <a:latin typeface="Cambria Math" panose="02040503050406030204" pitchFamily="18" charset="0"/>
+                              </a:rPr>
+                              <m:t>𝑓</m:t>
+                            </m:r>
+                          </m:e>
+                          <m:sub>
+                            <m:r>
+                              <a:rPr lang="en-US" sz="2400" b="0" i="1" smtClean="0">
+                                <a:latin typeface="Cambria Math" panose="02040503050406030204" pitchFamily="18" charset="0"/>
+                              </a:rPr>
+                              <m:t>𝑛</m:t>
+                            </m:r>
+                            <m:r>
+                              <a:rPr lang="en-US" sz="2400" b="0" i="1" smtClean="0">
+                                <a:latin typeface="Cambria Math" panose="02040503050406030204" pitchFamily="18" charset="0"/>
+                              </a:rPr>
+                              <m:t>−2</m:t>
+                            </m:r>
+                          </m:sub>
+                        </m:sSub>
+                      </m:num>
+                      <m:den>
+                        <m:r>
+                          <a:rPr lang="en-US" sz="2400" i="1">
+                            <a:latin typeface="Cambria Math" panose="02040503050406030204" pitchFamily="18" charset="0"/>
+                          </a:rPr>
+                          <m:t>𝜕</m:t>
+                        </m:r>
+                        <m:sSub>
+                          <m:sSubPr>
+                            <m:ctrlPr>
+                              <a:rPr lang="en-US" sz="2400" i="1" smtClean="0">
+                                <a:latin typeface="Cambria Math" panose="02040503050406030204" pitchFamily="18" charset="0"/>
+                              </a:rPr>
+                            </m:ctrlPr>
+                          </m:sSubPr>
+                          <m:e>
+                            <m:r>
+                              <a:rPr lang="en-US" sz="2400" b="0" i="1" smtClean="0">
+                                <a:latin typeface="Cambria Math" panose="02040503050406030204" pitchFamily="18" charset="0"/>
+                              </a:rPr>
+                              <m:t>𝑓</m:t>
+                            </m:r>
+                          </m:e>
+                          <m:sub>
+                            <m:r>
+                              <a:rPr lang="en-US" sz="2400" b="0" i="1" smtClean="0">
+                                <a:latin typeface="Cambria Math" panose="02040503050406030204" pitchFamily="18" charset="0"/>
+                              </a:rPr>
+                              <m:t>𝑛</m:t>
+                            </m:r>
+                            <m:r>
+                              <a:rPr lang="en-US" sz="2400" b="0" i="1" smtClean="0">
+                                <a:latin typeface="Cambria Math" panose="02040503050406030204" pitchFamily="18" charset="0"/>
+                              </a:rPr>
+                              <m:t>−1</m:t>
+                            </m:r>
+                          </m:sub>
+                        </m:sSub>
+                      </m:den>
+                    </m:f>
+                    <m:r>
+                      <a:rPr lang="en-US" sz="2400" b="0" i="1" smtClean="0">
+                        <a:latin typeface="Cambria Math" panose="02040503050406030204" pitchFamily="18" charset="0"/>
+                      </a:rPr>
+                      <m:t>…</m:t>
+                    </m:r>
                     <m:f>
                       <m:fPr>
                         <m:ctrlPr>
@@ -13884,167 +14100,11 @@
                           </a:rPr>
                           <m:t>𝜕</m:t>
                         </m:r>
-                        <m:sSub>
-                          <m:sSubPr>
-                            <m:ctrlPr>
-                              <a:rPr lang="en-US" sz="2400" i="1" smtClean="0">
-                                <a:latin typeface="Cambria Math" panose="02040503050406030204" pitchFamily="18" charset="0"/>
-                              </a:rPr>
-                            </m:ctrlPr>
-                          </m:sSubPr>
-                          <m:e>
-                            <m:r>
-                              <a:rPr lang="en-US" sz="2400" b="0" i="1" smtClean="0">
-                                <a:latin typeface="Cambria Math" panose="02040503050406030204" pitchFamily="18" charset="0"/>
-                              </a:rPr>
-                              <m:t>𝑓</m:t>
-                            </m:r>
-                          </m:e>
-                          <m:sub>
-                            <m:r>
-                              <a:rPr lang="en-US" sz="2400" b="0" i="1" smtClean="0">
-                                <a:latin typeface="Cambria Math" panose="02040503050406030204" pitchFamily="18" charset="0"/>
-                              </a:rPr>
-                              <m:t>2</m:t>
-                            </m:r>
-                          </m:sub>
-                        </m:sSub>
-                      </m:den>
-                    </m:f>
-                    <m:f>
-                      <m:fPr>
-                        <m:ctrlPr>
-                          <a:rPr lang="en-US" sz="2400" i="1">
+                        <m:r>
+                          <a:rPr lang="en-US" sz="2400" b="1" i="1">
                             <a:latin typeface="Cambria Math" panose="02040503050406030204" pitchFamily="18" charset="0"/>
                           </a:rPr>
-                        </m:ctrlPr>
-                      </m:fPr>
-                      <m:num>
-                        <m:r>
-                          <a:rPr lang="en-US" sz="2400" i="1">
-                            <a:latin typeface="Cambria Math" panose="02040503050406030204" pitchFamily="18" charset="0"/>
-                          </a:rPr>
-                          <m:t>𝜕</m:t>
-                        </m:r>
-                        <m:sSub>
-                          <m:sSubPr>
-                            <m:ctrlPr>
-                              <a:rPr lang="en-US" sz="2400" i="1" smtClean="0">
-                                <a:latin typeface="Cambria Math" panose="02040503050406030204" pitchFamily="18" charset="0"/>
-                              </a:rPr>
-                            </m:ctrlPr>
-                          </m:sSubPr>
-                          <m:e>
-                            <m:r>
-                              <a:rPr lang="en-US" sz="2400" b="0" i="1" smtClean="0">
-                                <a:latin typeface="Cambria Math" panose="02040503050406030204" pitchFamily="18" charset="0"/>
-                              </a:rPr>
-                              <m:t>𝑓</m:t>
-                            </m:r>
-                          </m:e>
-                          <m:sub>
-                            <m:r>
-                              <a:rPr lang="en-US" sz="2400" b="0" i="1" smtClean="0">
-                                <a:latin typeface="Cambria Math" panose="02040503050406030204" pitchFamily="18" charset="0"/>
-                              </a:rPr>
-                              <m:t>2</m:t>
-                            </m:r>
-                          </m:sub>
-                        </m:sSub>
-                      </m:num>
-                      <m:den>
-                        <m:r>
-                          <a:rPr lang="en-US" sz="2400" i="1">
-                            <a:latin typeface="Cambria Math" panose="02040503050406030204" pitchFamily="18" charset="0"/>
-                          </a:rPr>
-                          <m:t>𝜕</m:t>
-                        </m:r>
-                        <m:sSub>
-                          <m:sSubPr>
-                            <m:ctrlPr>
-                              <a:rPr lang="en-US" sz="2400" i="1" smtClean="0">
-                                <a:latin typeface="Cambria Math" panose="02040503050406030204" pitchFamily="18" charset="0"/>
-                              </a:rPr>
-                            </m:ctrlPr>
-                          </m:sSubPr>
-                          <m:e>
-                            <m:r>
-                              <a:rPr lang="en-US" sz="2400" b="0" i="1" smtClean="0">
-                                <a:latin typeface="Cambria Math" panose="02040503050406030204" pitchFamily="18" charset="0"/>
-                              </a:rPr>
-                              <m:t>𝑓</m:t>
-                            </m:r>
-                          </m:e>
-                          <m:sub>
-                            <m:r>
-                              <a:rPr lang="en-US" sz="2400" b="0" i="1" smtClean="0">
-                                <a:latin typeface="Cambria Math" panose="02040503050406030204" pitchFamily="18" charset="0"/>
-                              </a:rPr>
-                              <m:t>3</m:t>
-                            </m:r>
-                          </m:sub>
-                        </m:sSub>
-                      </m:den>
-                    </m:f>
-                    <m:r>
-                      <a:rPr lang="en-US" sz="2400" b="0" i="1" smtClean="0">
-                        <a:latin typeface="Cambria Math" panose="02040503050406030204" pitchFamily="18" charset="0"/>
-                      </a:rPr>
-                      <m:t>…</m:t>
-                    </m:r>
-                    <m:f>
-                      <m:fPr>
-                        <m:ctrlPr>
-                          <a:rPr lang="en-US" sz="2400" i="1">
-                            <a:latin typeface="Cambria Math" panose="02040503050406030204" pitchFamily="18" charset="0"/>
-                          </a:rPr>
-                        </m:ctrlPr>
-                      </m:fPr>
-                      <m:num>
-                        <m:r>
-                          <a:rPr lang="en-US" sz="2400" i="1">
-                            <a:latin typeface="Cambria Math" panose="02040503050406030204" pitchFamily="18" charset="0"/>
-                          </a:rPr>
-                          <m:t>𝜕</m:t>
-                        </m:r>
-                        <m:sSub>
-                          <m:sSubPr>
-                            <m:ctrlPr>
-                              <a:rPr lang="en-US" sz="2400" i="1" smtClean="0">
-                                <a:latin typeface="Cambria Math" panose="02040503050406030204" pitchFamily="18" charset="0"/>
-                              </a:rPr>
-                            </m:ctrlPr>
-                          </m:sSubPr>
-                          <m:e>
-                            <m:r>
-                              <a:rPr lang="en-US" sz="2400" b="0" i="1" smtClean="0">
-                                <a:latin typeface="Cambria Math" panose="02040503050406030204" pitchFamily="18" charset="0"/>
-                              </a:rPr>
-                              <m:t>𝑓</m:t>
-                            </m:r>
-                          </m:e>
-                          <m:sub>
-                            <m:r>
-                              <a:rPr lang="en-US" sz="2400" b="0" i="1" smtClean="0">
-                                <a:latin typeface="Cambria Math" panose="02040503050406030204" pitchFamily="18" charset="0"/>
-                              </a:rPr>
-                              <m:t>𝑛</m:t>
-                            </m:r>
-                          </m:sub>
-                        </m:sSub>
-                      </m:num>
-                      <m:den>
-                        <m:r>
-                          <a:rPr lang="en-US" sz="2400" i="1">
-                            <a:latin typeface="Cambria Math" panose="02040503050406030204" pitchFamily="18" charset="0"/>
-                          </a:rPr>
-                          <m:t>𝜕</m:t>
-                        </m:r>
-                        <m:r>
-                          <a:rPr lang="en-US" sz="2400" i="1">
-                            <a:latin typeface="Cambria Math" panose="02040503050406030204" pitchFamily="18" charset="0"/>
-                          </a:rPr>
-                          <m:t>𝑥</m:t>
+                          <m:t>𝒙</m:t>
                         </m:r>
                       </m:den>
                     </m:f>
@@ -14055,7 +14115,7 @@
             </p:txBody>
           </p:sp>
         </mc:Choice>
-        <mc:Fallback xmlns="">
+        <mc:Fallback>
           <p:sp>
             <p:nvSpPr>
               <p:cNvPr id="2" name="TextBox 1"/>
@@ -14066,8 +14126,8 @@
             </p:nvSpPr>
             <p:spPr>
               <a:xfrm>
-                <a:off x="5791200" y="1212288"/>
-                <a:ext cx="3124200" cy="588559"/>
+                <a:off x="4114800" y="1353352"/>
+                <a:ext cx="3124200" cy="601383"/>
               </a:xfrm>
               <a:prstGeom prst="rect">
                 <a:avLst/>
@@ -14075,7 +14135,7 @@
               <a:blipFill>
                 <a:blip r:embed="rId6"/>
                 <a:stretch>
-                  <a:fillRect b="-10417"/>
+                  <a:fillRect b="-8081"/>
                 </a:stretch>
               </a:blipFill>
             </p:spPr>
@@ -14096,41 +14156,31 @@
       </mc:AlternateContent>
       <p:sp>
         <p:nvSpPr>
-          <p:cNvPr id="3" name="Right Arrow 2"/>
-          <p:cNvSpPr/>
+          <p:cNvPr id="11" name="TextBox 10"/>
+          <p:cNvSpPr txBox="1"/>
           <p:nvPr/>
         </p:nvSpPr>
         <p:spPr>
           <a:xfrm>
-            <a:off x="4876800" y="1429791"/>
-            <a:ext cx="609600" cy="228600"/>
+            <a:off x="2755490" y="1469377"/>
+            <a:ext cx="1065869" cy="369332"/>
           </a:xfrm>
-          <a:prstGeom prst="rightArrow">
+          <a:prstGeom prst="rect">
             <a:avLst/>
           </a:prstGeom>
+          <a:noFill/>
         </p:spPr>
-        <p:style>
-          <a:lnRef idx="2">
-            <a:schemeClr val="accent1">
-              <a:shade val="50000"/>
-            </a:schemeClr>
-          </a:lnRef>
-          <a:fillRef idx="1">
-            <a:schemeClr val="accent1"/>
-          </a:fillRef>
-          <a:effectRef idx="0">
-            <a:schemeClr val="accent1"/>
-          </a:effectRef>
-          <a:fontRef idx="minor">
-            <a:schemeClr val="lt1"/>
-          </a:fontRef>
-        </p:style>
         <p:txBody>
-          <a:bodyPr rtlCol="0" anchor="ctr"/>
+          <a:bodyPr wrap="none" rtlCol="0">
+            <a:spAutoFit/>
+          </a:bodyPr>
           <a:lstStyle/>
           <a:p>
-            <a:pPr algn="ctr"/>
-            <a:endParaRPr lang="en-US"/>
+            <a:r>
+              <a:rPr lang="en-US" dirty="0" smtClean="0"/>
+              <a:t>Gradient:</a:t>
+            </a:r>
+            <a:endParaRPr lang="en-US" dirty="0"/>
           </a:p>
         </p:txBody>
       </p:sp>
@@ -14578,15 +14628,7 @@
             </a:r>
             <a:r>
               <a:rPr lang="en-US" sz="1800" dirty="0" smtClean="0"/>
-              <a:t>Require large </a:t>
-            </a:r>
-            <a:r>
-              <a:rPr lang="en-US" sz="1800" dirty="0" smtClean="0"/>
-              <a:t>well-labeled </a:t>
-            </a:r>
-            <a:r>
-              <a:rPr lang="en-US" sz="1800" dirty="0" smtClean="0"/>
-              <a:t>dataset</a:t>
+              <a:t>Require large well-labeled dataset</a:t>
             </a:r>
           </a:p>
           <a:p>
